--- a/拉密-00757014+00757009.pptx
+++ b/拉密-00757014+00757009.pptx
@@ -838,7 +838,7 @@
             <a:fld id="{B61BEF0D-F0BB-DE4B-95CE-6DB70DBA9567}" type="datetimeFigureOut">
               <a:rPr lang="en-US" dirty="0"/>
               <a:pPr/>
-              <a:t>12/3/2019</a:t>
+              <a:t>12/30/2019</a:t>
             </a:fld>
             <a:endParaRPr lang="en-US" dirty="0"/>
           </a:p>
@@ -1086,7 +1086,7 @@
             <a:fld id="{B61BEF0D-F0BB-DE4B-95CE-6DB70DBA9567}" type="datetimeFigureOut">
               <a:rPr lang="en-US" dirty="0"/>
               <a:pPr/>
-              <a:t>12/3/2019</a:t>
+              <a:t>12/30/2019</a:t>
             </a:fld>
             <a:endParaRPr lang="en-US" dirty="0"/>
           </a:p>
@@ -1397,7 +1397,7 @@
             <a:fld id="{B61BEF0D-F0BB-DE4B-95CE-6DB70DBA9567}" type="datetimeFigureOut">
               <a:rPr lang="en-US" dirty="0"/>
               <a:pPr/>
-              <a:t>12/3/2019</a:t>
+              <a:t>12/30/2019</a:t>
             </a:fld>
             <a:endParaRPr lang="en-US" dirty="0"/>
           </a:p>
@@ -1735,7 +1735,7 @@
             <a:fld id="{B61BEF0D-F0BB-DE4B-95CE-6DB70DBA9567}" type="datetimeFigureOut">
               <a:rPr lang="en-US" dirty="0"/>
               <a:pPr/>
-              <a:t>12/3/2019</a:t>
+              <a:t>12/30/2019</a:t>
             </a:fld>
             <a:endParaRPr lang="en-US" dirty="0"/>
           </a:p>
@@ -2046,7 +2046,7 @@
             <a:fld id="{B61BEF0D-F0BB-DE4B-95CE-6DB70DBA9567}" type="datetimeFigureOut">
               <a:rPr lang="en-US" dirty="0"/>
               <a:pPr/>
-              <a:t>12/3/2019</a:t>
+              <a:t>12/30/2019</a:t>
             </a:fld>
             <a:endParaRPr lang="en-US" dirty="0"/>
           </a:p>
@@ -2436,7 +2436,7 @@
             <a:fld id="{B61BEF0D-F0BB-DE4B-95CE-6DB70DBA9567}" type="datetimeFigureOut">
               <a:rPr lang="en-US" dirty="0"/>
               <a:pPr/>
-              <a:t>12/3/2019</a:t>
+              <a:t>12/30/2019</a:t>
             </a:fld>
             <a:endParaRPr lang="en-US" dirty="0"/>
           </a:p>
@@ -2602,7 +2602,7 @@
           <a:p>
             <a:fld id="{55C6B4A9-1611-4792-9094-5F34BCA07E0B}" type="datetimeFigureOut">
               <a:rPr lang="en-US" dirty="0"/>
-              <a:t>12/3/2019</a:t>
+              <a:t>12/30/2019</a:t>
             </a:fld>
             <a:endParaRPr lang="en-US" dirty="0"/>
           </a:p>
@@ -2778,7 +2778,7 @@
             <a:fld id="{B61BEF0D-F0BB-DE4B-95CE-6DB70DBA9567}" type="datetimeFigureOut">
               <a:rPr lang="en-US" dirty="0"/>
               <a:pPr/>
-              <a:t>12/3/2019</a:t>
+              <a:t>12/30/2019</a:t>
             </a:fld>
             <a:endParaRPr lang="en-US" dirty="0"/>
           </a:p>
@@ -2951,7 +2951,7 @@
             <a:fld id="{B61BEF0D-F0BB-DE4B-95CE-6DB70DBA9567}" type="datetimeFigureOut">
               <a:rPr lang="en-US" dirty="0"/>
               <a:pPr/>
-              <a:t>12/3/2019</a:t>
+              <a:t>12/30/2019</a:t>
             </a:fld>
             <a:endParaRPr lang="en-US" dirty="0"/>
           </a:p>
@@ -3195,7 +3195,7 @@
             <a:fld id="{B61BEF0D-F0BB-DE4B-95CE-6DB70DBA9567}" type="datetimeFigureOut">
               <a:rPr lang="en-US" dirty="0"/>
               <a:pPr/>
-              <a:t>12/3/2019</a:t>
+              <a:t>12/30/2019</a:t>
             </a:fld>
             <a:endParaRPr lang="en-US" dirty="0"/>
           </a:p>
@@ -3423,7 +3423,7 @@
           <a:p>
             <a:fld id="{EB712588-04B1-427B-82EE-E8DB90309F08}" type="datetimeFigureOut">
               <a:rPr lang="en-US" dirty="0"/>
-              <a:t>12/3/2019</a:t>
+              <a:t>12/30/2019</a:t>
             </a:fld>
             <a:endParaRPr lang="en-US" dirty="0"/>
           </a:p>
@@ -3793,7 +3793,7 @@
             <a:fld id="{B61BEF0D-F0BB-DE4B-95CE-6DB70DBA9567}" type="datetimeFigureOut">
               <a:rPr lang="en-US" dirty="0"/>
               <a:pPr/>
-              <a:t>12/3/2019</a:t>
+              <a:t>12/30/2019</a:t>
             </a:fld>
             <a:endParaRPr lang="en-US" dirty="0"/>
           </a:p>
@@ -3913,7 +3913,7 @@
             <a:fld id="{B61BEF0D-F0BB-DE4B-95CE-6DB70DBA9567}" type="datetimeFigureOut">
               <a:rPr lang="en-US" dirty="0"/>
               <a:pPr/>
-              <a:t>12/3/2019</a:t>
+              <a:t>12/30/2019</a:t>
             </a:fld>
             <a:endParaRPr lang="en-US" dirty="0"/>
           </a:p>
@@ -4005,7 +4005,7 @@
             <a:fld id="{B61BEF0D-F0BB-DE4B-95CE-6DB70DBA9567}" type="datetimeFigureOut">
               <a:rPr lang="en-US" dirty="0"/>
               <a:pPr/>
-              <a:t>12/3/2019</a:t>
+              <a:t>12/30/2019</a:t>
             </a:fld>
             <a:endParaRPr lang="en-US" dirty="0"/>
           </a:p>
@@ -4256,7 +4256,7 @@
           <a:p>
             <a:fld id="{42A54C80-263E-416B-A8E0-580EDEADCBDC}" type="datetimeFigureOut">
               <a:rPr lang="en-US" dirty="0"/>
-              <a:t>12/3/2019</a:t>
+              <a:t>12/30/2019</a:t>
             </a:fld>
             <a:endParaRPr lang="en-US" dirty="0"/>
           </a:p>
@@ -4515,7 +4515,7 @@
             <a:fld id="{B61BEF0D-F0BB-DE4B-95CE-6DB70DBA9567}" type="datetimeFigureOut">
               <a:rPr lang="en-US" dirty="0"/>
               <a:pPr/>
-              <a:t>12/3/2019</a:t>
+              <a:t>12/30/2019</a:t>
             </a:fld>
             <a:endParaRPr lang="en-US" dirty="0"/>
           </a:p>
@@ -5255,7 +5255,7 @@
             <a:fld id="{B61BEF0D-F0BB-DE4B-95CE-6DB70DBA9567}" type="datetimeFigureOut">
               <a:rPr lang="en-US" dirty="0"/>
               <a:pPr/>
-              <a:t>12/3/2019</a:t>
+              <a:t>12/30/2019</a:t>
             </a:fld>
             <a:endParaRPr lang="en-US" dirty="0"/>
           </a:p>
@@ -5949,7 +5949,23 @@
             </a:r>
             <a:r>
               <a:rPr lang="zh-TW" altLang="en-US" sz="3200" dirty="0" smtClean="0"/>
-              <a:t>教學版本，能讓沒有接觸過拉密的人也能輕易上手，每一步都會有文字框提醒，提醒如何下怎樣的牌會造成最大效益</a:t>
+              <a:t>教學版本，能讓沒有接觸過拉密的人也能輕易上手</a:t>
+            </a:r>
+            <a:r>
+              <a:rPr lang="zh-TW" altLang="en-US" sz="3200" dirty="0" smtClean="0"/>
+              <a:t>，會</a:t>
+            </a:r>
+            <a:r>
+              <a:rPr lang="zh-TW" altLang="en-US" sz="3200" dirty="0" smtClean="0"/>
+              <a:t>有文字框提醒，提醒如何下怎樣</a:t>
+            </a:r>
+            <a:r>
+              <a:rPr lang="zh-TW" altLang="en-US" sz="3200" smtClean="0"/>
+              <a:t>的</a:t>
+            </a:r>
+            <a:r>
+              <a:rPr lang="zh-TW" altLang="en-US" sz="3200" smtClean="0"/>
+              <a:t>牌才能符合遊戲規則</a:t>
             </a:r>
             <a:endParaRPr lang="en-US" altLang="zh-TW" sz="3200" dirty="0" smtClean="0"/>
           </a:p>

--- a/拉密-00757014+00757009.pptx
+++ b/拉密-00757014+00757009.pptx
@@ -838,7 +838,7 @@
             <a:fld id="{B61BEF0D-F0BB-DE4B-95CE-6DB70DBA9567}" type="datetimeFigureOut">
               <a:rPr lang="en-US" dirty="0"/>
               <a:pPr/>
-              <a:t>12/30/2019</a:t>
+              <a:t>12/3/2019</a:t>
             </a:fld>
             <a:endParaRPr lang="en-US" dirty="0"/>
           </a:p>
@@ -1086,7 +1086,7 @@
             <a:fld id="{B61BEF0D-F0BB-DE4B-95CE-6DB70DBA9567}" type="datetimeFigureOut">
               <a:rPr lang="en-US" dirty="0"/>
               <a:pPr/>
-              <a:t>12/30/2019</a:t>
+              <a:t>12/3/2019</a:t>
             </a:fld>
             <a:endParaRPr lang="en-US" dirty="0"/>
           </a:p>
@@ -1397,7 +1397,7 @@
             <a:fld id="{B61BEF0D-F0BB-DE4B-95CE-6DB70DBA9567}" type="datetimeFigureOut">
               <a:rPr lang="en-US" dirty="0"/>
               <a:pPr/>
-              <a:t>12/30/2019</a:t>
+              <a:t>12/3/2019</a:t>
             </a:fld>
             <a:endParaRPr lang="en-US" dirty="0"/>
           </a:p>
@@ -1735,7 +1735,7 @@
             <a:fld id="{B61BEF0D-F0BB-DE4B-95CE-6DB70DBA9567}" type="datetimeFigureOut">
               <a:rPr lang="en-US" dirty="0"/>
               <a:pPr/>
-              <a:t>12/30/2019</a:t>
+              <a:t>12/3/2019</a:t>
             </a:fld>
             <a:endParaRPr lang="en-US" dirty="0"/>
           </a:p>
@@ -2046,7 +2046,7 @@
             <a:fld id="{B61BEF0D-F0BB-DE4B-95CE-6DB70DBA9567}" type="datetimeFigureOut">
               <a:rPr lang="en-US" dirty="0"/>
               <a:pPr/>
-              <a:t>12/30/2019</a:t>
+              <a:t>12/3/2019</a:t>
             </a:fld>
             <a:endParaRPr lang="en-US" dirty="0"/>
           </a:p>
@@ -2436,7 +2436,7 @@
             <a:fld id="{B61BEF0D-F0BB-DE4B-95CE-6DB70DBA9567}" type="datetimeFigureOut">
               <a:rPr lang="en-US" dirty="0"/>
               <a:pPr/>
-              <a:t>12/30/2019</a:t>
+              <a:t>12/3/2019</a:t>
             </a:fld>
             <a:endParaRPr lang="en-US" dirty="0"/>
           </a:p>
@@ -2602,7 +2602,7 @@
           <a:p>
             <a:fld id="{55C6B4A9-1611-4792-9094-5F34BCA07E0B}" type="datetimeFigureOut">
               <a:rPr lang="en-US" dirty="0"/>
-              <a:t>12/30/2019</a:t>
+              <a:t>12/3/2019</a:t>
             </a:fld>
             <a:endParaRPr lang="en-US" dirty="0"/>
           </a:p>
@@ -2778,7 +2778,7 @@
             <a:fld id="{B61BEF0D-F0BB-DE4B-95CE-6DB70DBA9567}" type="datetimeFigureOut">
               <a:rPr lang="en-US" dirty="0"/>
               <a:pPr/>
-              <a:t>12/30/2019</a:t>
+              <a:t>12/3/2019</a:t>
             </a:fld>
             <a:endParaRPr lang="en-US" dirty="0"/>
           </a:p>
@@ -2951,7 +2951,7 @@
             <a:fld id="{B61BEF0D-F0BB-DE4B-95CE-6DB70DBA9567}" type="datetimeFigureOut">
               <a:rPr lang="en-US" dirty="0"/>
               <a:pPr/>
-              <a:t>12/30/2019</a:t>
+              <a:t>12/3/2019</a:t>
             </a:fld>
             <a:endParaRPr lang="en-US" dirty="0"/>
           </a:p>
@@ -3195,7 +3195,7 @@
             <a:fld id="{B61BEF0D-F0BB-DE4B-95CE-6DB70DBA9567}" type="datetimeFigureOut">
               <a:rPr lang="en-US" dirty="0"/>
               <a:pPr/>
-              <a:t>12/30/2019</a:t>
+              <a:t>12/3/2019</a:t>
             </a:fld>
             <a:endParaRPr lang="en-US" dirty="0"/>
           </a:p>
@@ -3423,7 +3423,7 @@
           <a:p>
             <a:fld id="{EB712588-04B1-427B-82EE-E8DB90309F08}" type="datetimeFigureOut">
               <a:rPr lang="en-US" dirty="0"/>
-              <a:t>12/30/2019</a:t>
+              <a:t>12/3/2019</a:t>
             </a:fld>
             <a:endParaRPr lang="en-US" dirty="0"/>
           </a:p>
@@ -3793,7 +3793,7 @@
             <a:fld id="{B61BEF0D-F0BB-DE4B-95CE-6DB70DBA9567}" type="datetimeFigureOut">
               <a:rPr lang="en-US" dirty="0"/>
               <a:pPr/>
-              <a:t>12/30/2019</a:t>
+              <a:t>12/3/2019</a:t>
             </a:fld>
             <a:endParaRPr lang="en-US" dirty="0"/>
           </a:p>
@@ -3913,7 +3913,7 @@
             <a:fld id="{B61BEF0D-F0BB-DE4B-95CE-6DB70DBA9567}" type="datetimeFigureOut">
               <a:rPr lang="en-US" dirty="0"/>
               <a:pPr/>
-              <a:t>12/30/2019</a:t>
+              <a:t>12/3/2019</a:t>
             </a:fld>
             <a:endParaRPr lang="en-US" dirty="0"/>
           </a:p>
@@ -4005,7 +4005,7 @@
             <a:fld id="{B61BEF0D-F0BB-DE4B-95CE-6DB70DBA9567}" type="datetimeFigureOut">
               <a:rPr lang="en-US" dirty="0"/>
               <a:pPr/>
-              <a:t>12/30/2019</a:t>
+              <a:t>12/3/2019</a:t>
             </a:fld>
             <a:endParaRPr lang="en-US" dirty="0"/>
           </a:p>
@@ -4256,7 +4256,7 @@
           <a:p>
             <a:fld id="{42A54C80-263E-416B-A8E0-580EDEADCBDC}" type="datetimeFigureOut">
               <a:rPr lang="en-US" dirty="0"/>
-              <a:t>12/30/2019</a:t>
+              <a:t>12/3/2019</a:t>
             </a:fld>
             <a:endParaRPr lang="en-US" dirty="0"/>
           </a:p>
@@ -4515,7 +4515,7 @@
             <a:fld id="{B61BEF0D-F0BB-DE4B-95CE-6DB70DBA9567}" type="datetimeFigureOut">
               <a:rPr lang="en-US" dirty="0"/>
               <a:pPr/>
-              <a:t>12/30/2019</a:t>
+              <a:t>12/3/2019</a:t>
             </a:fld>
             <a:endParaRPr lang="en-US" dirty="0"/>
           </a:p>
@@ -5255,7 +5255,7 @@
             <a:fld id="{B61BEF0D-F0BB-DE4B-95CE-6DB70DBA9567}" type="datetimeFigureOut">
               <a:rPr lang="en-US" dirty="0"/>
               <a:pPr/>
-              <a:t>12/30/2019</a:t>
+              <a:t>12/3/2019</a:t>
             </a:fld>
             <a:endParaRPr lang="en-US" dirty="0"/>
           </a:p>
@@ -5949,23 +5949,7 @@
             </a:r>
             <a:r>
               <a:rPr lang="zh-TW" altLang="en-US" sz="3200" dirty="0" smtClean="0"/>
-              <a:t>教學版本，能讓沒有接觸過拉密的人也能輕易上手</a:t>
-            </a:r>
-            <a:r>
-              <a:rPr lang="zh-TW" altLang="en-US" sz="3200" dirty="0" smtClean="0"/>
-              <a:t>，會</a:t>
-            </a:r>
-            <a:r>
-              <a:rPr lang="zh-TW" altLang="en-US" sz="3200" dirty="0" smtClean="0"/>
-              <a:t>有文字框提醒，提醒如何下怎樣</a:t>
-            </a:r>
-            <a:r>
-              <a:rPr lang="zh-TW" altLang="en-US" sz="3200" smtClean="0"/>
-              <a:t>的</a:t>
-            </a:r>
-            <a:r>
-              <a:rPr lang="zh-TW" altLang="en-US" sz="3200" smtClean="0"/>
-              <a:t>牌才能符合遊戲規則</a:t>
+              <a:t>教學版本，能讓沒有接觸過拉密的人也能輕易上手，每一步都會有文字框提醒，提醒如何下怎樣的牌會造成最大效益</a:t>
             </a:r>
             <a:endParaRPr lang="en-US" altLang="zh-TW" sz="3200" dirty="0" smtClean="0"/>
           </a:p>

--- a/拉密-00757014+00757009.pptx
+++ b/拉密-00757014+00757009.pptx
@@ -8,7 +8,7 @@
     <p:sldId id="256" r:id="rId2"/>
     <p:sldId id="258" r:id="rId3"/>
     <p:sldId id="259" r:id="rId4"/>
-    <p:sldId id="257" r:id="rId5"/>
+    <p:sldId id="260" r:id="rId5"/>
   </p:sldIdLst>
   <p:sldSz cx="12192000" cy="6858000"/>
   <p:notesSz cx="6858000" cy="9144000"/>
@@ -838,7 +838,7 @@
             <a:fld id="{B61BEF0D-F0BB-DE4B-95CE-6DB70DBA9567}" type="datetimeFigureOut">
               <a:rPr lang="en-US" dirty="0"/>
               <a:pPr/>
-              <a:t>12/3/2019</a:t>
+              <a:t>12/31/2019</a:t>
             </a:fld>
             <a:endParaRPr lang="en-US" dirty="0"/>
           </a:p>
@@ -1086,7 +1086,7 @@
             <a:fld id="{B61BEF0D-F0BB-DE4B-95CE-6DB70DBA9567}" type="datetimeFigureOut">
               <a:rPr lang="en-US" dirty="0"/>
               <a:pPr/>
-              <a:t>12/3/2019</a:t>
+              <a:t>12/31/2019</a:t>
             </a:fld>
             <a:endParaRPr lang="en-US" dirty="0"/>
           </a:p>
@@ -1397,7 +1397,7 @@
             <a:fld id="{B61BEF0D-F0BB-DE4B-95CE-6DB70DBA9567}" type="datetimeFigureOut">
               <a:rPr lang="en-US" dirty="0"/>
               <a:pPr/>
-              <a:t>12/3/2019</a:t>
+              <a:t>12/31/2019</a:t>
             </a:fld>
             <a:endParaRPr lang="en-US" dirty="0"/>
           </a:p>
@@ -1735,7 +1735,7 @@
             <a:fld id="{B61BEF0D-F0BB-DE4B-95CE-6DB70DBA9567}" type="datetimeFigureOut">
               <a:rPr lang="en-US" dirty="0"/>
               <a:pPr/>
-              <a:t>12/3/2019</a:t>
+              <a:t>12/31/2019</a:t>
             </a:fld>
             <a:endParaRPr lang="en-US" dirty="0"/>
           </a:p>
@@ -2046,7 +2046,7 @@
             <a:fld id="{B61BEF0D-F0BB-DE4B-95CE-6DB70DBA9567}" type="datetimeFigureOut">
               <a:rPr lang="en-US" dirty="0"/>
               <a:pPr/>
-              <a:t>12/3/2019</a:t>
+              <a:t>12/31/2019</a:t>
             </a:fld>
             <a:endParaRPr lang="en-US" dirty="0"/>
           </a:p>
@@ -2436,7 +2436,7 @@
             <a:fld id="{B61BEF0D-F0BB-DE4B-95CE-6DB70DBA9567}" type="datetimeFigureOut">
               <a:rPr lang="en-US" dirty="0"/>
               <a:pPr/>
-              <a:t>12/3/2019</a:t>
+              <a:t>12/31/2019</a:t>
             </a:fld>
             <a:endParaRPr lang="en-US" dirty="0"/>
           </a:p>
@@ -2602,7 +2602,7 @@
           <a:p>
             <a:fld id="{55C6B4A9-1611-4792-9094-5F34BCA07E0B}" type="datetimeFigureOut">
               <a:rPr lang="en-US" dirty="0"/>
-              <a:t>12/3/2019</a:t>
+              <a:t>12/31/2019</a:t>
             </a:fld>
             <a:endParaRPr lang="en-US" dirty="0"/>
           </a:p>
@@ -2778,7 +2778,7 @@
             <a:fld id="{B61BEF0D-F0BB-DE4B-95CE-6DB70DBA9567}" type="datetimeFigureOut">
               <a:rPr lang="en-US" dirty="0"/>
               <a:pPr/>
-              <a:t>12/3/2019</a:t>
+              <a:t>12/31/2019</a:t>
             </a:fld>
             <a:endParaRPr lang="en-US" dirty="0"/>
           </a:p>
@@ -2951,7 +2951,7 @@
             <a:fld id="{B61BEF0D-F0BB-DE4B-95CE-6DB70DBA9567}" type="datetimeFigureOut">
               <a:rPr lang="en-US" dirty="0"/>
               <a:pPr/>
-              <a:t>12/3/2019</a:t>
+              <a:t>12/31/2019</a:t>
             </a:fld>
             <a:endParaRPr lang="en-US" dirty="0"/>
           </a:p>
@@ -3195,7 +3195,7 @@
             <a:fld id="{B61BEF0D-F0BB-DE4B-95CE-6DB70DBA9567}" type="datetimeFigureOut">
               <a:rPr lang="en-US" dirty="0"/>
               <a:pPr/>
-              <a:t>12/3/2019</a:t>
+              <a:t>12/31/2019</a:t>
             </a:fld>
             <a:endParaRPr lang="en-US" dirty="0"/>
           </a:p>
@@ -3423,7 +3423,7 @@
           <a:p>
             <a:fld id="{EB712588-04B1-427B-82EE-E8DB90309F08}" type="datetimeFigureOut">
               <a:rPr lang="en-US" dirty="0"/>
-              <a:t>12/3/2019</a:t>
+              <a:t>12/31/2019</a:t>
             </a:fld>
             <a:endParaRPr lang="en-US" dirty="0"/>
           </a:p>
@@ -3793,7 +3793,7 @@
             <a:fld id="{B61BEF0D-F0BB-DE4B-95CE-6DB70DBA9567}" type="datetimeFigureOut">
               <a:rPr lang="en-US" dirty="0"/>
               <a:pPr/>
-              <a:t>12/3/2019</a:t>
+              <a:t>12/31/2019</a:t>
             </a:fld>
             <a:endParaRPr lang="en-US" dirty="0"/>
           </a:p>
@@ -3913,7 +3913,7 @@
             <a:fld id="{B61BEF0D-F0BB-DE4B-95CE-6DB70DBA9567}" type="datetimeFigureOut">
               <a:rPr lang="en-US" dirty="0"/>
               <a:pPr/>
-              <a:t>12/3/2019</a:t>
+              <a:t>12/31/2019</a:t>
             </a:fld>
             <a:endParaRPr lang="en-US" dirty="0"/>
           </a:p>
@@ -4005,7 +4005,7 @@
             <a:fld id="{B61BEF0D-F0BB-DE4B-95CE-6DB70DBA9567}" type="datetimeFigureOut">
               <a:rPr lang="en-US" dirty="0"/>
               <a:pPr/>
-              <a:t>12/3/2019</a:t>
+              <a:t>12/31/2019</a:t>
             </a:fld>
             <a:endParaRPr lang="en-US" dirty="0"/>
           </a:p>
@@ -4256,7 +4256,7 @@
           <a:p>
             <a:fld id="{42A54C80-263E-416B-A8E0-580EDEADCBDC}" type="datetimeFigureOut">
               <a:rPr lang="en-US" dirty="0"/>
-              <a:t>12/3/2019</a:t>
+              <a:t>12/31/2019</a:t>
             </a:fld>
             <a:endParaRPr lang="en-US" dirty="0"/>
           </a:p>
@@ -4515,7 +4515,7 @@
             <a:fld id="{B61BEF0D-F0BB-DE4B-95CE-6DB70DBA9567}" type="datetimeFigureOut">
               <a:rPr lang="en-US" dirty="0"/>
               <a:pPr/>
-              <a:t>12/3/2019</a:t>
+              <a:t>12/31/2019</a:t>
             </a:fld>
             <a:endParaRPr lang="en-US" dirty="0"/>
           </a:p>
@@ -5255,7 +5255,7 @@
             <a:fld id="{B61BEF0D-F0BB-DE4B-95CE-6DB70DBA9567}" type="datetimeFigureOut">
               <a:rPr lang="en-US" dirty="0"/>
               <a:pPr/>
-              <a:t>12/3/2019</a:t>
+              <a:t>12/31/2019</a:t>
             </a:fld>
             <a:endParaRPr lang="en-US" dirty="0"/>
           </a:p>
@@ -5949,7 +5949,15 @@
             </a:r>
             <a:r>
               <a:rPr lang="zh-TW" altLang="en-US" sz="3200" dirty="0" smtClean="0"/>
-              <a:t>教學版本，能讓沒有接觸過拉密的人也能輕易上手，每一步都會有文字框提醒，提醒如何下怎樣的牌會造成最大效益</a:t>
+              <a:t>教學版本，能讓沒有接觸過拉密的人也能輕易上手</a:t>
+            </a:r>
+            <a:r>
+              <a:rPr lang="zh-TW" altLang="en-US" sz="3200" dirty="0" smtClean="0"/>
+              <a:t>，有</a:t>
+            </a:r>
+            <a:r>
+              <a:rPr lang="zh-TW" altLang="en-US" sz="3200" dirty="0" smtClean="0"/>
+              <a:t>文字框提醒，提醒如何下怎樣的牌會造成最大效益</a:t>
             </a:r>
             <a:endParaRPr lang="en-US" altLang="zh-TW" sz="3200" dirty="0" smtClean="0"/>
           </a:p>
@@ -6077,55 +6085,63 @@
             <p:ph type="title"/>
           </p:nvPr>
         </p:nvSpPr>
-        <p:spPr>
-          <a:xfrm flipH="1">
-            <a:off x="631615" y="1884680"/>
-            <a:ext cx="45719" cy="45719"/>
-          </a:xfrm>
-        </p:spPr>
+        <p:spPr/>
+        <p:txBody>
+          <a:bodyPr/>
+          <a:lstStyle/>
+          <a:p>
+            <a:r>
+              <a:rPr lang="zh-TW" altLang="en-US" dirty="0" smtClean="0"/>
+              <a:t>破冰和殘局</a:t>
+            </a:r>
+            <a:endParaRPr lang="zh-TW" altLang="en-US" dirty="0"/>
+          </a:p>
+        </p:txBody>
+      </p:sp>
+      <p:sp>
+        <p:nvSpPr>
+          <p:cNvPr id="3" name="內容版面配置區 2"/>
+          <p:cNvSpPr>
+            <a:spLocks noGrp="1"/>
+          </p:cNvSpPr>
+          <p:nvPr>
+            <p:ph idx="1"/>
+          </p:nvPr>
+        </p:nvSpPr>
+        <p:spPr/>
         <p:txBody>
           <a:bodyPr>
-            <a:normAutofit fontScale="90000"/>
+            <a:normAutofit/>
           </a:bodyPr>
           <a:lstStyle/>
           <a:p>
-            <a:endParaRPr lang="zh-TW" altLang="en-US" dirty="0"/>
-          </a:p>
-        </p:txBody>
-      </p:sp>
-      <p:pic>
-        <p:nvPicPr>
-          <p:cNvPr id="4" name="內容版面配置區 3"/>
-          <p:cNvPicPr>
-            <a:picLocks noGrp="1" noChangeAspect="1"/>
-          </p:cNvPicPr>
-          <p:nvPr>
-            <p:ph idx="1"/>
-          </p:nvPr>
-        </p:nvPicPr>
-        <p:blipFill>
-          <a:blip r:embed="rId2">
-            <a:extLst>
-              <a:ext uri="{28A0092B-C50C-407E-A947-70E740481C1C}">
-                <a14:useLocalDpi xmlns:a14="http://schemas.microsoft.com/office/drawing/2010/main" val="0"/>
-              </a:ext>
-            </a:extLst>
-          </a:blip>
-          <a:stretch>
-            <a:fillRect/>
-          </a:stretch>
-        </p:blipFill>
-        <p:spPr>
-          <a:xfrm>
-            <a:off x="358816" y="555585"/>
-            <a:ext cx="8951263" cy="5515337"/>
-          </a:xfrm>
-        </p:spPr>
-      </p:pic>
+            <a:r>
+              <a:rPr lang="en-US" altLang="zh-TW" sz="4400" dirty="0" smtClean="0"/>
+              <a:t>3</a:t>
+            </a:r>
+            <a:r>
+              <a:rPr lang="zh-TW" altLang="en-US" sz="4400" dirty="0" smtClean="0"/>
+              <a:t>個破冰</a:t>
+            </a:r>
+            <a:endParaRPr lang="en-US" altLang="zh-TW" sz="4400" dirty="0" smtClean="0"/>
+          </a:p>
+          <a:p>
+            <a:r>
+              <a:rPr lang="en-US" altLang="zh-TW" sz="4400" dirty="0" smtClean="0"/>
+              <a:t>3</a:t>
+            </a:r>
+            <a:r>
+              <a:rPr lang="zh-TW" altLang="en-US" sz="4400" dirty="0" smtClean="0"/>
+              <a:t>個殘局</a:t>
+            </a:r>
+            <a:endParaRPr lang="zh-TW" altLang="en-US" sz="4400" dirty="0"/>
+          </a:p>
+        </p:txBody>
+      </p:sp>
     </p:spTree>
     <p:extLst>
       <p:ext uri="{BB962C8B-B14F-4D97-AF65-F5344CB8AC3E}">
-        <p14:creationId xmlns:p14="http://schemas.microsoft.com/office/powerpoint/2010/main" val="4265061866"/>
+        <p14:creationId xmlns:p14="http://schemas.microsoft.com/office/powerpoint/2010/main" val="1964206159"/>
       </p:ext>
     </p:extLst>
   </p:cSld>
